--- a/Unity/Syntax.pptx
+++ b/Unity/Syntax.pptx
@@ -107,6 +107,11 @@
       </a:defRPr>
     </a:lvl9pPr>
   </p:defaultTextStyle>
+  <p:extLst>
+    <p:ext uri="{EFAFB233-063F-42B5-8137-9DF3F51BA10A}">
+      <p15:sldGuideLst xmlns:p15="http://schemas.microsoft.com/office/powerpoint/2012/main"/>
+    </p:ext>
+  </p:extLst>
 </p:presentation>
 </file>
 
@@ -6534,6 +6539,30 @@
           </a:fontRef>
         </p:style>
       </p:cxnSp>
+      <p:pic>
+        <p:nvPicPr>
+          <p:cNvPr id="12" name="Billede 11"/>
+          <p:cNvPicPr>
+            <a:picLocks noChangeAspect="1"/>
+          </p:cNvPicPr>
+          <p:nvPr/>
+        </p:nvPicPr>
+        <p:blipFill>
+          <a:blip r:embed="rId2"/>
+          <a:stretch>
+            <a:fillRect/>
+          </a:stretch>
+        </p:blipFill>
+        <p:spPr>
+          <a:xfrm>
+            <a:off x="6591300" y="3785855"/>
+            <a:ext cx="3964192" cy="361555"/>
+          </a:xfrm>
+          <a:prstGeom prst="rect">
+            <a:avLst/>
+          </a:prstGeom>
+        </p:spPr>
+      </p:pic>
     </p:spTree>
     <p:extLst>
       <p:ext uri="{BB962C8B-B14F-4D97-AF65-F5344CB8AC3E}">
